--- a/images/ImagTrans.pptx
+++ b/images/ImagTrans.pptx
@@ -6,6 +6,7 @@
   </p:sldMasterIdLst>
   <p:sldIdLst>
     <p:sldId id="256" r:id="rId2"/>
+    <p:sldId id="258" r:id="rId3"/>
   </p:sldIdLst>
   <p:sldSz cx="12192000" cy="6858000"/>
   <p:notesSz cx="6858000" cy="9144000"/>
@@ -104,7 +105,16 @@
       </a:defRPr>
     </a:lvl9pPr>
   </p:defaultTextStyle>
+  <p:extLst>
+    <p:ext uri="{EFAFB233-063F-42B5-8137-9DF3F51BA10A}">
+      <p15:sldGuideLst xmlns:p15="http://schemas.microsoft.com/office/powerpoint/2012/main"/>
+    </p:ext>
+  </p:extLst>
 </p:presentation>
+</file>
+
+<file path=ppt/revisionInfo.xml><?xml version="1.0" encoding="utf-8"?>
+<p1510:revInfo xmlns:a="http://schemas.openxmlformats.org/drawingml/2006/main" xmlns:r="http://schemas.openxmlformats.org/officeDocument/2006/relationships" xmlns:p1510="http://schemas.microsoft.com/office/powerpoint/2015/10/main"/>
 </file>
 
 <file path=ppt/slideLayouts/slideLayout1.xml><?xml version="1.0" encoding="utf-8"?>
@@ -4016,6 +4026,1174 @@
 </p:sld>
 </file>
 
+<file path=ppt/slides/slide2.xml><?xml version="1.0" encoding="utf-8"?>
+<p:sld xmlns:a="http://schemas.openxmlformats.org/drawingml/2006/main" xmlns:r="http://schemas.openxmlformats.org/officeDocument/2006/relationships" xmlns:p="http://schemas.openxmlformats.org/presentationml/2006/main">
+  <p:cSld>
+    <p:spTree>
+      <p:nvGrpSpPr>
+        <p:cNvPr id="1" name=""/>
+        <p:cNvGrpSpPr/>
+        <p:nvPr/>
+      </p:nvGrpSpPr>
+      <p:grpSpPr>
+        <a:xfrm>
+          <a:off x="0" y="0"/>
+          <a:ext cx="0" cy="0"/>
+          <a:chOff x="0" y="0"/>
+          <a:chExt cx="0" cy="0"/>
+        </a:xfrm>
+      </p:grpSpPr>
+      <p:sp>
+        <p:nvSpPr>
+          <p:cNvPr id="4" name="Rechteck 3">
+            <a:extLst>
+              <a:ext uri="{FF2B5EF4-FFF2-40B4-BE49-F238E27FC236}">
+                <a16:creationId xmlns:a16="http://schemas.microsoft.com/office/drawing/2014/main" id="{4B9E6D4F-646E-4FF4-A1BE-0A3051FAC163}"/>
+              </a:ext>
+            </a:extLst>
+          </p:cNvPr>
+          <p:cNvSpPr/>
+          <p:nvPr/>
+        </p:nvSpPr>
+        <p:spPr>
+          <a:xfrm>
+            <a:off x="3661954" y="252548"/>
+            <a:ext cx="2220685" cy="1541417"/>
+          </a:xfrm>
+          <a:prstGeom prst="rect">
+            <a:avLst/>
+          </a:prstGeom>
+        </p:spPr>
+        <p:style>
+          <a:lnRef idx="2">
+            <a:schemeClr val="accent1">
+              <a:shade val="50000"/>
+            </a:schemeClr>
+          </a:lnRef>
+          <a:fillRef idx="1">
+            <a:schemeClr val="accent1"/>
+          </a:fillRef>
+          <a:effectRef idx="0">
+            <a:schemeClr val="accent1"/>
+          </a:effectRef>
+          <a:fontRef idx="minor">
+            <a:schemeClr val="lt1"/>
+          </a:fontRef>
+        </p:style>
+        <p:txBody>
+          <a:bodyPr rtlCol="0" anchor="ctr"/>
+          <a:lstStyle/>
+          <a:p>
+            <a:pPr algn="ctr"/>
+            <a:endParaRPr lang="de-DE"/>
+          </a:p>
+        </p:txBody>
+      </p:sp>
+      <p:sp>
+        <p:nvSpPr>
+          <p:cNvPr id="7" name="Ellipse 6">
+            <a:extLst>
+              <a:ext uri="{FF2B5EF4-FFF2-40B4-BE49-F238E27FC236}">
+                <a16:creationId xmlns:a16="http://schemas.microsoft.com/office/drawing/2014/main" id="{CD090A6D-C0A5-477C-86A9-4C6A48E387B1}"/>
+              </a:ext>
+            </a:extLst>
+          </p:cNvPr>
+          <p:cNvSpPr/>
+          <p:nvPr/>
+        </p:nvSpPr>
+        <p:spPr>
+          <a:xfrm>
+            <a:off x="4585062" y="853439"/>
+            <a:ext cx="121920" cy="113212"/>
+          </a:xfrm>
+          <a:prstGeom prst="ellipse">
+            <a:avLst/>
+          </a:prstGeom>
+          <a:solidFill>
+            <a:srgbClr val="FF0000"/>
+          </a:solidFill>
+          <a:ln>
+            <a:noFill/>
+          </a:ln>
+        </p:spPr>
+        <p:style>
+          <a:lnRef idx="2">
+            <a:schemeClr val="accent1">
+              <a:shade val="50000"/>
+            </a:schemeClr>
+          </a:lnRef>
+          <a:fillRef idx="1">
+            <a:schemeClr val="accent1"/>
+          </a:fillRef>
+          <a:effectRef idx="0">
+            <a:schemeClr val="accent1"/>
+          </a:effectRef>
+          <a:fontRef idx="minor">
+            <a:schemeClr val="lt1"/>
+          </a:fontRef>
+        </p:style>
+        <p:txBody>
+          <a:bodyPr rtlCol="0" anchor="ctr"/>
+          <a:lstStyle/>
+          <a:p>
+            <a:pPr algn="ctr"/>
+            <a:endParaRPr lang="de-DE"/>
+          </a:p>
+        </p:txBody>
+      </p:sp>
+      <p:sp>
+        <p:nvSpPr>
+          <p:cNvPr id="8" name="Rechteck 7">
+            <a:extLst>
+              <a:ext uri="{FF2B5EF4-FFF2-40B4-BE49-F238E27FC236}">
+                <a16:creationId xmlns:a16="http://schemas.microsoft.com/office/drawing/2014/main" id="{8726500A-E2AB-477D-B4DD-333E837F667A}"/>
+              </a:ext>
+            </a:extLst>
+          </p:cNvPr>
+          <p:cNvSpPr/>
+          <p:nvPr/>
+        </p:nvSpPr>
+        <p:spPr>
+          <a:xfrm>
+            <a:off x="694505" y="3705500"/>
+            <a:ext cx="2220685" cy="1541417"/>
+          </a:xfrm>
+          <a:prstGeom prst="rect">
+            <a:avLst/>
+          </a:prstGeom>
+        </p:spPr>
+        <p:style>
+          <a:lnRef idx="2">
+            <a:schemeClr val="accent1">
+              <a:shade val="50000"/>
+            </a:schemeClr>
+          </a:lnRef>
+          <a:fillRef idx="1">
+            <a:schemeClr val="accent1"/>
+          </a:fillRef>
+          <a:effectRef idx="0">
+            <a:schemeClr val="accent1"/>
+          </a:effectRef>
+          <a:fontRef idx="minor">
+            <a:schemeClr val="lt1"/>
+          </a:fontRef>
+        </p:style>
+        <p:txBody>
+          <a:bodyPr rtlCol="0" anchor="ctr"/>
+          <a:lstStyle/>
+          <a:p>
+            <a:pPr algn="ctr"/>
+            <a:endParaRPr lang="de-DE"/>
+          </a:p>
+        </p:txBody>
+      </p:sp>
+      <p:sp>
+        <p:nvSpPr>
+          <p:cNvPr id="9" name="Ellipse 8">
+            <a:extLst>
+              <a:ext uri="{FF2B5EF4-FFF2-40B4-BE49-F238E27FC236}">
+                <a16:creationId xmlns:a16="http://schemas.microsoft.com/office/drawing/2014/main" id="{561076A2-C2D7-4162-8B50-4994D93D3E4B}"/>
+              </a:ext>
+            </a:extLst>
+          </p:cNvPr>
+          <p:cNvSpPr/>
+          <p:nvPr/>
+        </p:nvSpPr>
+        <p:spPr>
+          <a:xfrm>
+            <a:off x="1073333" y="4568432"/>
+            <a:ext cx="121920" cy="113212"/>
+          </a:xfrm>
+          <a:prstGeom prst="ellipse">
+            <a:avLst/>
+          </a:prstGeom>
+          <a:solidFill>
+            <a:srgbClr val="FF0000"/>
+          </a:solidFill>
+          <a:ln>
+            <a:noFill/>
+          </a:ln>
+        </p:spPr>
+        <p:style>
+          <a:lnRef idx="2">
+            <a:schemeClr val="accent1">
+              <a:shade val="50000"/>
+            </a:schemeClr>
+          </a:lnRef>
+          <a:fillRef idx="1">
+            <a:schemeClr val="accent1"/>
+          </a:fillRef>
+          <a:effectRef idx="0">
+            <a:schemeClr val="accent1"/>
+          </a:effectRef>
+          <a:fontRef idx="minor">
+            <a:schemeClr val="lt1"/>
+          </a:fontRef>
+        </p:style>
+        <p:txBody>
+          <a:bodyPr rtlCol="0" anchor="ctr"/>
+          <a:lstStyle/>
+          <a:p>
+            <a:pPr algn="ctr"/>
+            <a:endParaRPr lang="de-DE"/>
+          </a:p>
+        </p:txBody>
+      </p:sp>
+      <p:sp>
+        <p:nvSpPr>
+          <p:cNvPr id="12" name="Rechteck 11">
+            <a:extLst>
+              <a:ext uri="{FF2B5EF4-FFF2-40B4-BE49-F238E27FC236}">
+                <a16:creationId xmlns:a16="http://schemas.microsoft.com/office/drawing/2014/main" id="{3CDEB7AE-C585-42BA-A782-A0CB51287997}"/>
+              </a:ext>
+            </a:extLst>
+          </p:cNvPr>
+          <p:cNvSpPr/>
+          <p:nvPr/>
+        </p:nvSpPr>
+        <p:spPr>
+          <a:xfrm>
+            <a:off x="3178619" y="3705500"/>
+            <a:ext cx="2220685" cy="1541417"/>
+          </a:xfrm>
+          <a:prstGeom prst="rect">
+            <a:avLst/>
+          </a:prstGeom>
+        </p:spPr>
+        <p:style>
+          <a:lnRef idx="2">
+            <a:schemeClr val="accent1">
+              <a:shade val="50000"/>
+            </a:schemeClr>
+          </a:lnRef>
+          <a:fillRef idx="1">
+            <a:schemeClr val="accent1"/>
+          </a:fillRef>
+          <a:effectRef idx="0">
+            <a:schemeClr val="accent1"/>
+          </a:effectRef>
+          <a:fontRef idx="minor">
+            <a:schemeClr val="lt1"/>
+          </a:fontRef>
+        </p:style>
+        <p:txBody>
+          <a:bodyPr rtlCol="0" anchor="ctr"/>
+          <a:lstStyle/>
+          <a:p>
+            <a:pPr algn="ctr"/>
+            <a:endParaRPr lang="de-DE"/>
+          </a:p>
+        </p:txBody>
+      </p:sp>
+      <p:sp>
+        <p:nvSpPr>
+          <p:cNvPr id="13" name="Ellipse 12">
+            <a:extLst>
+              <a:ext uri="{FF2B5EF4-FFF2-40B4-BE49-F238E27FC236}">
+                <a16:creationId xmlns:a16="http://schemas.microsoft.com/office/drawing/2014/main" id="{E5DC7073-27F7-4260-9B82-C8362A63F6D7}"/>
+              </a:ext>
+            </a:extLst>
+          </p:cNvPr>
+          <p:cNvSpPr/>
+          <p:nvPr/>
+        </p:nvSpPr>
+        <p:spPr>
+          <a:xfrm>
+            <a:off x="3866594" y="4532814"/>
+            <a:ext cx="121920" cy="113212"/>
+          </a:xfrm>
+          <a:prstGeom prst="ellipse">
+            <a:avLst/>
+          </a:prstGeom>
+          <a:solidFill>
+            <a:srgbClr val="FF0000"/>
+          </a:solidFill>
+          <a:ln>
+            <a:noFill/>
+          </a:ln>
+        </p:spPr>
+        <p:style>
+          <a:lnRef idx="2">
+            <a:schemeClr val="accent1">
+              <a:shade val="50000"/>
+            </a:schemeClr>
+          </a:lnRef>
+          <a:fillRef idx="1">
+            <a:schemeClr val="accent1"/>
+          </a:fillRef>
+          <a:effectRef idx="0">
+            <a:schemeClr val="accent1"/>
+          </a:effectRef>
+          <a:fontRef idx="minor">
+            <a:schemeClr val="lt1"/>
+          </a:fontRef>
+        </p:style>
+        <p:txBody>
+          <a:bodyPr rtlCol="0" anchor="ctr"/>
+          <a:lstStyle/>
+          <a:p>
+            <a:pPr algn="ctr"/>
+            <a:endParaRPr lang="de-DE"/>
+          </a:p>
+        </p:txBody>
+      </p:sp>
+      <p:sp>
+        <p:nvSpPr>
+          <p:cNvPr id="14" name="Pfeil: nach rechts gekrümmt 13">
+            <a:extLst>
+              <a:ext uri="{FF2B5EF4-FFF2-40B4-BE49-F238E27FC236}">
+                <a16:creationId xmlns:a16="http://schemas.microsoft.com/office/drawing/2014/main" id="{2FB1D871-344C-40D4-9F5F-CA536540B170}"/>
+              </a:ext>
+            </a:extLst>
+          </p:cNvPr>
+          <p:cNvSpPr/>
+          <p:nvPr/>
+        </p:nvSpPr>
+        <p:spPr>
+          <a:xfrm>
+            <a:off x="1375955" y="1367246"/>
+            <a:ext cx="870857" cy="1815737"/>
+          </a:xfrm>
+          <a:prstGeom prst="curvedRightArrow">
+            <a:avLst/>
+          </a:prstGeom>
+        </p:spPr>
+        <p:style>
+          <a:lnRef idx="2">
+            <a:schemeClr val="accent1">
+              <a:shade val="50000"/>
+            </a:schemeClr>
+          </a:lnRef>
+          <a:fillRef idx="1">
+            <a:schemeClr val="accent1"/>
+          </a:fillRef>
+          <a:effectRef idx="0">
+            <a:schemeClr val="accent1"/>
+          </a:effectRef>
+          <a:fontRef idx="minor">
+            <a:schemeClr val="lt1"/>
+          </a:fontRef>
+        </p:style>
+        <p:txBody>
+          <a:bodyPr rtlCol="0" anchor="ctr"/>
+          <a:lstStyle/>
+          <a:p>
+            <a:pPr algn="ctr"/>
+            <a:endParaRPr lang="de-DE">
+              <a:solidFill>
+                <a:schemeClr val="tx1"/>
+              </a:solidFill>
+            </a:endParaRPr>
+          </a:p>
+        </p:txBody>
+      </p:sp>
+      <p:sp>
+        <p:nvSpPr>
+          <p:cNvPr id="15" name="Pfeil: nach links gekrümmt 14">
+            <a:extLst>
+              <a:ext uri="{FF2B5EF4-FFF2-40B4-BE49-F238E27FC236}">
+                <a16:creationId xmlns:a16="http://schemas.microsoft.com/office/drawing/2014/main" id="{9CFE4AAC-0DC0-4260-8929-A808C3D16A43}"/>
+              </a:ext>
+            </a:extLst>
+          </p:cNvPr>
+          <p:cNvSpPr/>
+          <p:nvPr/>
+        </p:nvSpPr>
+        <p:spPr>
+          <a:xfrm>
+            <a:off x="7741922" y="1367246"/>
+            <a:ext cx="896982" cy="1942011"/>
+          </a:xfrm>
+          <a:prstGeom prst="curvedLeftArrow">
+            <a:avLst/>
+          </a:prstGeom>
+        </p:spPr>
+        <p:style>
+          <a:lnRef idx="2">
+            <a:schemeClr val="accent1">
+              <a:shade val="50000"/>
+            </a:schemeClr>
+          </a:lnRef>
+          <a:fillRef idx="1">
+            <a:schemeClr val="accent1"/>
+          </a:fillRef>
+          <a:effectRef idx="0">
+            <a:schemeClr val="accent1"/>
+          </a:effectRef>
+          <a:fontRef idx="minor">
+            <a:schemeClr val="lt1"/>
+          </a:fontRef>
+        </p:style>
+        <p:txBody>
+          <a:bodyPr rtlCol="0" anchor="ctr"/>
+          <a:lstStyle/>
+          <a:p>
+            <a:pPr algn="ctr"/>
+            <a:endParaRPr lang="de-DE">
+              <a:solidFill>
+                <a:schemeClr val="tx1"/>
+              </a:solidFill>
+            </a:endParaRPr>
+          </a:p>
+        </p:txBody>
+      </p:sp>
+      <p:sp>
+        <p:nvSpPr>
+          <p:cNvPr id="16" name="Textfeld 15">
+            <a:extLst>
+              <a:ext uri="{FF2B5EF4-FFF2-40B4-BE49-F238E27FC236}">
+                <a16:creationId xmlns:a16="http://schemas.microsoft.com/office/drawing/2014/main" id="{87518578-08F0-4804-B7DD-173CFF2C3929}"/>
+              </a:ext>
+            </a:extLst>
+          </p:cNvPr>
+          <p:cNvSpPr txBox="1"/>
+          <p:nvPr/>
+        </p:nvSpPr>
+        <p:spPr>
+          <a:xfrm>
+            <a:off x="4367348" y="597319"/>
+            <a:ext cx="217714" cy="369332"/>
+          </a:xfrm>
+          <a:prstGeom prst="rect">
+            <a:avLst/>
+          </a:prstGeom>
+          <a:noFill/>
+        </p:spPr>
+        <p:txBody>
+          <a:bodyPr wrap="square" rtlCol="0">
+            <a:spAutoFit/>
+          </a:bodyPr>
+          <a:lstStyle/>
+          <a:p>
+            <a:r>
+              <a:rPr lang="de-DE" dirty="0">
+                <a:solidFill>
+                  <a:schemeClr val="bg1"/>
+                </a:solidFill>
+              </a:rPr>
+              <a:t>P</a:t>
+            </a:r>
+          </a:p>
+        </p:txBody>
+      </p:sp>
+      <p:sp>
+        <p:nvSpPr>
+          <p:cNvPr id="17" name="Textfeld 16">
+            <a:extLst>
+              <a:ext uri="{FF2B5EF4-FFF2-40B4-BE49-F238E27FC236}">
+                <a16:creationId xmlns:a16="http://schemas.microsoft.com/office/drawing/2014/main" id="{44FF104F-BD37-4854-94AF-C522D03DAF40}"/>
+              </a:ext>
+            </a:extLst>
+          </p:cNvPr>
+          <p:cNvSpPr txBox="1"/>
+          <p:nvPr/>
+        </p:nvSpPr>
+        <p:spPr>
+          <a:xfrm>
+            <a:off x="862146" y="4220088"/>
+            <a:ext cx="357050" cy="369332"/>
+          </a:xfrm>
+          <a:prstGeom prst="rect">
+            <a:avLst/>
+          </a:prstGeom>
+          <a:noFill/>
+        </p:spPr>
+        <p:txBody>
+          <a:bodyPr wrap="square" rtlCol="0">
+            <a:spAutoFit/>
+          </a:bodyPr>
+          <a:lstStyle/>
+          <a:p>
+            <a:r>
+              <a:rPr lang="de-DE" dirty="0">
+                <a:solidFill>
+                  <a:schemeClr val="bg1"/>
+                </a:solidFill>
+              </a:rPr>
+              <a:t>p</a:t>
+            </a:r>
+          </a:p>
+        </p:txBody>
+      </p:sp>
+      <p:sp>
+        <p:nvSpPr>
+          <p:cNvPr id="18" name="Textfeld 17">
+            <a:extLst>
+              <a:ext uri="{FF2B5EF4-FFF2-40B4-BE49-F238E27FC236}">
+                <a16:creationId xmlns:a16="http://schemas.microsoft.com/office/drawing/2014/main" id="{31786F9C-FDCA-4151-B2D7-A4EC03FDEC45}"/>
+              </a:ext>
+            </a:extLst>
+          </p:cNvPr>
+          <p:cNvSpPr txBox="1"/>
+          <p:nvPr/>
+        </p:nvSpPr>
+        <p:spPr>
+          <a:xfrm>
+            <a:off x="3325583" y="4199100"/>
+            <a:ext cx="875208" cy="369332"/>
+          </a:xfrm>
+          <a:prstGeom prst="rect">
+            <a:avLst/>
+          </a:prstGeom>
+          <a:noFill/>
+        </p:spPr>
+        <p:txBody>
+          <a:bodyPr wrap="square" rtlCol="0">
+            <a:spAutoFit/>
+          </a:bodyPr>
+          <a:lstStyle/>
+          <a:p>
+            <a:r>
+              <a:rPr lang="de-DE" dirty="0">
+                <a:solidFill>
+                  <a:schemeClr val="bg1"/>
+                </a:solidFill>
+              </a:rPr>
+              <a:t>p+</a:t>
+            </a:r>
+            <a:r>
+              <a:rPr lang="el-GR" dirty="0">
+                <a:solidFill>
+                  <a:schemeClr val="bg1"/>
+                </a:solidFill>
+              </a:rPr>
+              <a:t>Δ</a:t>
+            </a:r>
+            <a:r>
+              <a:rPr lang="de-DE" dirty="0">
+                <a:solidFill>
+                  <a:schemeClr val="bg1"/>
+                </a:solidFill>
+              </a:rPr>
+              <a:t>p</a:t>
+            </a:r>
+          </a:p>
+        </p:txBody>
+      </p:sp>
+      <p:sp>
+        <p:nvSpPr>
+          <p:cNvPr id="19" name="Pfeil: nach oben gekrümmt 18">
+            <a:extLst>
+              <a:ext uri="{FF2B5EF4-FFF2-40B4-BE49-F238E27FC236}">
+                <a16:creationId xmlns:a16="http://schemas.microsoft.com/office/drawing/2014/main" id="{DD464E24-DE82-425A-8A49-F891497E4156}"/>
+              </a:ext>
+            </a:extLst>
+          </p:cNvPr>
+          <p:cNvSpPr/>
+          <p:nvPr/>
+        </p:nvSpPr>
+        <p:spPr>
+          <a:xfrm>
+            <a:off x="1361792" y="5568351"/>
+            <a:ext cx="2504802" cy="801189"/>
+          </a:xfrm>
+          <a:prstGeom prst="curvedUpArrow">
+            <a:avLst/>
+          </a:prstGeom>
+        </p:spPr>
+        <p:style>
+          <a:lnRef idx="2">
+            <a:schemeClr val="accent1">
+              <a:shade val="50000"/>
+            </a:schemeClr>
+          </a:lnRef>
+          <a:fillRef idx="1">
+            <a:schemeClr val="accent1"/>
+          </a:fillRef>
+          <a:effectRef idx="0">
+            <a:schemeClr val="accent1"/>
+          </a:effectRef>
+          <a:fontRef idx="minor">
+            <a:schemeClr val="lt1"/>
+          </a:fontRef>
+        </p:style>
+        <p:txBody>
+          <a:bodyPr rtlCol="0" anchor="ctr"/>
+          <a:lstStyle/>
+          <a:p>
+            <a:pPr algn="ctr"/>
+            <a:endParaRPr lang="de-DE">
+              <a:solidFill>
+                <a:schemeClr val="tx1"/>
+              </a:solidFill>
+            </a:endParaRPr>
+          </a:p>
+        </p:txBody>
+      </p:sp>
+      <p:sp>
+        <p:nvSpPr>
+          <p:cNvPr id="20" name="Textfeld 19">
+            <a:extLst>
+              <a:ext uri="{FF2B5EF4-FFF2-40B4-BE49-F238E27FC236}">
+                <a16:creationId xmlns:a16="http://schemas.microsoft.com/office/drawing/2014/main" id="{472C3C1A-7ABD-4845-8DBD-58B676A53D6C}"/>
+              </a:ext>
+            </a:extLst>
+          </p:cNvPr>
+          <p:cNvSpPr txBox="1"/>
+          <p:nvPr/>
+        </p:nvSpPr>
+        <p:spPr>
+          <a:xfrm>
+            <a:off x="1071155" y="2009894"/>
+            <a:ext cx="409303" cy="369332"/>
+          </a:xfrm>
+          <a:prstGeom prst="rect">
+            <a:avLst/>
+          </a:prstGeom>
+          <a:noFill/>
+        </p:spPr>
+        <p:txBody>
+          <a:bodyPr wrap="square" rtlCol="0">
+            <a:spAutoFit/>
+          </a:bodyPr>
+          <a:lstStyle/>
+          <a:p>
+            <a:r>
+              <a:rPr lang="de-DE" dirty="0"/>
+              <a:t>S</a:t>
+            </a:r>
+          </a:p>
+        </p:txBody>
+      </p:sp>
+      <p:sp>
+        <p:nvSpPr>
+          <p:cNvPr id="21" name="Textfeld 20">
+            <a:extLst>
+              <a:ext uri="{FF2B5EF4-FFF2-40B4-BE49-F238E27FC236}">
+                <a16:creationId xmlns:a16="http://schemas.microsoft.com/office/drawing/2014/main" id="{2006197F-DF7B-4227-8780-859DF6594CD3}"/>
+              </a:ext>
+            </a:extLst>
+          </p:cNvPr>
+          <p:cNvSpPr txBox="1"/>
+          <p:nvPr/>
+        </p:nvSpPr>
+        <p:spPr>
+          <a:xfrm>
+            <a:off x="8638904" y="2090448"/>
+            <a:ext cx="661850" cy="369332"/>
+          </a:xfrm>
+          <a:prstGeom prst="rect">
+            <a:avLst/>
+          </a:prstGeom>
+          <a:noFill/>
+        </p:spPr>
+        <p:txBody>
+          <a:bodyPr wrap="square" rtlCol="0">
+            <a:spAutoFit/>
+          </a:bodyPr>
+          <a:lstStyle/>
+          <a:p>
+            <a:r>
+              <a:rPr lang="de-DE" dirty="0"/>
+              <a:t>S+S‘</a:t>
+            </a:r>
+          </a:p>
+        </p:txBody>
+      </p:sp>
+      <p:sp>
+        <p:nvSpPr>
+          <p:cNvPr id="23" name="Rechteck 22">
+            <a:extLst>
+              <a:ext uri="{FF2B5EF4-FFF2-40B4-BE49-F238E27FC236}">
+                <a16:creationId xmlns:a16="http://schemas.microsoft.com/office/drawing/2014/main" id="{0758128C-05EA-4F80-8874-5815A7C0EAA2}"/>
+              </a:ext>
+            </a:extLst>
+          </p:cNvPr>
+          <p:cNvSpPr/>
+          <p:nvPr/>
+        </p:nvSpPr>
+        <p:spPr>
+          <a:xfrm>
+            <a:off x="5662733" y="3705500"/>
+            <a:ext cx="2220685" cy="1541417"/>
+          </a:xfrm>
+          <a:prstGeom prst="rect">
+            <a:avLst/>
+          </a:prstGeom>
+        </p:spPr>
+        <p:style>
+          <a:lnRef idx="2">
+            <a:schemeClr val="accent1">
+              <a:shade val="50000"/>
+            </a:schemeClr>
+          </a:lnRef>
+          <a:fillRef idx="1">
+            <a:schemeClr val="accent1"/>
+          </a:fillRef>
+          <a:effectRef idx="0">
+            <a:schemeClr val="accent1"/>
+          </a:effectRef>
+          <a:fontRef idx="minor">
+            <a:schemeClr val="lt1"/>
+          </a:fontRef>
+        </p:style>
+        <p:txBody>
+          <a:bodyPr rtlCol="0" anchor="ctr"/>
+          <a:lstStyle/>
+          <a:p>
+            <a:pPr algn="ctr"/>
+            <a:endParaRPr lang="de-DE"/>
+          </a:p>
+        </p:txBody>
+      </p:sp>
+      <p:sp>
+        <p:nvSpPr>
+          <p:cNvPr id="24" name="Ellipse 23">
+            <a:extLst>
+              <a:ext uri="{FF2B5EF4-FFF2-40B4-BE49-F238E27FC236}">
+                <a16:creationId xmlns:a16="http://schemas.microsoft.com/office/drawing/2014/main" id="{8BEA771A-2810-444D-A2B2-60B0FD352339}"/>
+              </a:ext>
+            </a:extLst>
+          </p:cNvPr>
+          <p:cNvSpPr/>
+          <p:nvPr/>
+        </p:nvSpPr>
+        <p:spPr>
+          <a:xfrm>
+            <a:off x="6562985" y="4568432"/>
+            <a:ext cx="121920" cy="113212"/>
+          </a:xfrm>
+          <a:prstGeom prst="ellipse">
+            <a:avLst/>
+          </a:prstGeom>
+          <a:solidFill>
+            <a:srgbClr val="FF0000"/>
+          </a:solidFill>
+          <a:ln>
+            <a:noFill/>
+          </a:ln>
+        </p:spPr>
+        <p:style>
+          <a:lnRef idx="2">
+            <a:schemeClr val="accent1">
+              <a:shade val="50000"/>
+            </a:schemeClr>
+          </a:lnRef>
+          <a:fillRef idx="1">
+            <a:schemeClr val="accent1"/>
+          </a:fillRef>
+          <a:effectRef idx="0">
+            <a:schemeClr val="accent1"/>
+          </a:effectRef>
+          <a:fontRef idx="minor">
+            <a:schemeClr val="lt1"/>
+          </a:fontRef>
+        </p:style>
+        <p:txBody>
+          <a:bodyPr rtlCol="0" anchor="ctr"/>
+          <a:lstStyle/>
+          <a:p>
+            <a:pPr algn="ctr"/>
+            <a:endParaRPr lang="de-DE"/>
+          </a:p>
+        </p:txBody>
+      </p:sp>
+      <p:sp>
+        <p:nvSpPr>
+          <p:cNvPr id="25" name="Textfeld 24">
+            <a:extLst>
+              <a:ext uri="{FF2B5EF4-FFF2-40B4-BE49-F238E27FC236}">
+                <a16:creationId xmlns:a16="http://schemas.microsoft.com/office/drawing/2014/main" id="{224491FA-BE5F-42F0-87B8-B2FB7F7B008F}"/>
+              </a:ext>
+            </a:extLst>
+          </p:cNvPr>
+          <p:cNvSpPr txBox="1"/>
+          <p:nvPr/>
+        </p:nvSpPr>
+        <p:spPr>
+          <a:xfrm>
+            <a:off x="5809697" y="4199100"/>
+            <a:ext cx="875208" cy="369332"/>
+          </a:xfrm>
+          <a:prstGeom prst="rect">
+            <a:avLst/>
+          </a:prstGeom>
+          <a:noFill/>
+        </p:spPr>
+        <p:txBody>
+          <a:bodyPr wrap="square" rtlCol="0">
+            <a:spAutoFit/>
+          </a:bodyPr>
+          <a:lstStyle/>
+          <a:p>
+            <a:r>
+              <a:rPr lang="de-DE" dirty="0">
+                <a:solidFill>
+                  <a:schemeClr val="bg1"/>
+                </a:solidFill>
+              </a:rPr>
+              <a:t>p+2</a:t>
+            </a:r>
+            <a:r>
+              <a:rPr lang="el-GR" dirty="0">
+                <a:solidFill>
+                  <a:schemeClr val="bg1"/>
+                </a:solidFill>
+              </a:rPr>
+              <a:t>Δ</a:t>
+            </a:r>
+            <a:r>
+              <a:rPr lang="de-DE" dirty="0">
+                <a:solidFill>
+                  <a:schemeClr val="bg1"/>
+                </a:solidFill>
+              </a:rPr>
+              <a:t>p</a:t>
+            </a:r>
+          </a:p>
+        </p:txBody>
+      </p:sp>
+      <p:sp>
+        <p:nvSpPr>
+          <p:cNvPr id="26" name="Rechteck 25">
+            <a:extLst>
+              <a:ext uri="{FF2B5EF4-FFF2-40B4-BE49-F238E27FC236}">
+                <a16:creationId xmlns:a16="http://schemas.microsoft.com/office/drawing/2014/main" id="{45E8057D-D948-4BD4-9CC4-56F2DF70A3F8}"/>
+              </a:ext>
+            </a:extLst>
+          </p:cNvPr>
+          <p:cNvSpPr/>
+          <p:nvPr/>
+        </p:nvSpPr>
+        <p:spPr>
+          <a:xfrm>
+            <a:off x="9699156" y="3705500"/>
+            <a:ext cx="2220685" cy="1541417"/>
+          </a:xfrm>
+          <a:prstGeom prst="rect">
+            <a:avLst/>
+          </a:prstGeom>
+        </p:spPr>
+        <p:style>
+          <a:lnRef idx="2">
+            <a:schemeClr val="accent1">
+              <a:shade val="50000"/>
+            </a:schemeClr>
+          </a:lnRef>
+          <a:fillRef idx="1">
+            <a:schemeClr val="accent1"/>
+          </a:fillRef>
+          <a:effectRef idx="0">
+            <a:schemeClr val="accent1"/>
+          </a:effectRef>
+          <a:fontRef idx="minor">
+            <a:schemeClr val="lt1"/>
+          </a:fontRef>
+        </p:style>
+        <p:txBody>
+          <a:bodyPr rtlCol="0" anchor="ctr"/>
+          <a:lstStyle/>
+          <a:p>
+            <a:pPr algn="ctr"/>
+            <a:endParaRPr lang="de-DE"/>
+          </a:p>
+        </p:txBody>
+      </p:sp>
+      <p:sp>
+        <p:nvSpPr>
+          <p:cNvPr id="27" name="Ellipse 26">
+            <a:extLst>
+              <a:ext uri="{FF2B5EF4-FFF2-40B4-BE49-F238E27FC236}">
+                <a16:creationId xmlns:a16="http://schemas.microsoft.com/office/drawing/2014/main" id="{D3FC8E57-C11D-41D7-92C6-ACAEF6D838A0}"/>
+              </a:ext>
+            </a:extLst>
+          </p:cNvPr>
+          <p:cNvSpPr/>
+          <p:nvPr/>
+        </p:nvSpPr>
+        <p:spPr>
+          <a:xfrm>
+            <a:off x="10599408" y="4568432"/>
+            <a:ext cx="121920" cy="113212"/>
+          </a:xfrm>
+          <a:prstGeom prst="ellipse">
+            <a:avLst/>
+          </a:prstGeom>
+          <a:solidFill>
+            <a:srgbClr val="FF0000"/>
+          </a:solidFill>
+          <a:ln>
+            <a:noFill/>
+          </a:ln>
+        </p:spPr>
+        <p:style>
+          <a:lnRef idx="2">
+            <a:schemeClr val="accent1">
+              <a:shade val="50000"/>
+            </a:schemeClr>
+          </a:lnRef>
+          <a:fillRef idx="1">
+            <a:schemeClr val="accent1"/>
+          </a:fillRef>
+          <a:effectRef idx="0">
+            <a:schemeClr val="accent1"/>
+          </a:effectRef>
+          <a:fontRef idx="minor">
+            <a:schemeClr val="lt1"/>
+          </a:fontRef>
+        </p:style>
+        <p:txBody>
+          <a:bodyPr rtlCol="0" anchor="ctr"/>
+          <a:lstStyle/>
+          <a:p>
+            <a:pPr algn="ctr"/>
+            <a:endParaRPr lang="de-DE"/>
+          </a:p>
+        </p:txBody>
+      </p:sp>
+      <p:sp>
+        <p:nvSpPr>
+          <p:cNvPr id="28" name="Textfeld 27">
+            <a:extLst>
+              <a:ext uri="{FF2B5EF4-FFF2-40B4-BE49-F238E27FC236}">
+                <a16:creationId xmlns:a16="http://schemas.microsoft.com/office/drawing/2014/main" id="{C7120EB7-7B93-49C7-ABB1-9D3EEC025D6F}"/>
+              </a:ext>
+            </a:extLst>
+          </p:cNvPr>
+          <p:cNvSpPr txBox="1"/>
+          <p:nvPr/>
+        </p:nvSpPr>
+        <p:spPr>
+          <a:xfrm>
+            <a:off x="9846120" y="4199100"/>
+            <a:ext cx="875208" cy="369332"/>
+          </a:xfrm>
+          <a:prstGeom prst="rect">
+            <a:avLst/>
+          </a:prstGeom>
+          <a:noFill/>
+        </p:spPr>
+        <p:txBody>
+          <a:bodyPr wrap="square" rtlCol="0">
+            <a:spAutoFit/>
+          </a:bodyPr>
+          <a:lstStyle/>
+          <a:p>
+            <a:r>
+              <a:rPr lang="de-DE" dirty="0" err="1">
+                <a:solidFill>
+                  <a:schemeClr val="bg1"/>
+                </a:solidFill>
+              </a:rPr>
+              <a:t>p+n</a:t>
+            </a:r>
+            <a:r>
+              <a:rPr lang="el-GR" dirty="0">
+                <a:solidFill>
+                  <a:schemeClr val="bg1"/>
+                </a:solidFill>
+              </a:rPr>
+              <a:t>Δ</a:t>
+            </a:r>
+            <a:r>
+              <a:rPr lang="de-DE" dirty="0">
+                <a:solidFill>
+                  <a:schemeClr val="bg1"/>
+                </a:solidFill>
+              </a:rPr>
+              <a:t>p</a:t>
+            </a:r>
+          </a:p>
+        </p:txBody>
+      </p:sp>
+      <p:sp>
+        <p:nvSpPr>
+          <p:cNvPr id="29" name="Pfeil: nach oben gekrümmt 28">
+            <a:extLst>
+              <a:ext uri="{FF2B5EF4-FFF2-40B4-BE49-F238E27FC236}">
+                <a16:creationId xmlns:a16="http://schemas.microsoft.com/office/drawing/2014/main" id="{50D3B6CF-3ED4-4E71-AC83-0CE91F85D333}"/>
+              </a:ext>
+            </a:extLst>
+          </p:cNvPr>
+          <p:cNvSpPr/>
+          <p:nvPr/>
+        </p:nvSpPr>
+        <p:spPr>
+          <a:xfrm>
+            <a:off x="3988513" y="5643160"/>
+            <a:ext cx="2504802" cy="801189"/>
+          </a:xfrm>
+          <a:prstGeom prst="curvedUpArrow">
+            <a:avLst/>
+          </a:prstGeom>
+        </p:spPr>
+        <p:style>
+          <a:lnRef idx="2">
+            <a:schemeClr val="accent1">
+              <a:shade val="50000"/>
+            </a:schemeClr>
+          </a:lnRef>
+          <a:fillRef idx="1">
+            <a:schemeClr val="accent1"/>
+          </a:fillRef>
+          <a:effectRef idx="0">
+            <a:schemeClr val="accent1"/>
+          </a:effectRef>
+          <a:fontRef idx="minor">
+            <a:schemeClr val="lt1"/>
+          </a:fontRef>
+        </p:style>
+        <p:txBody>
+          <a:bodyPr rtlCol="0" anchor="ctr"/>
+          <a:lstStyle/>
+          <a:p>
+            <a:pPr algn="ctr"/>
+            <a:endParaRPr lang="de-DE">
+              <a:solidFill>
+                <a:schemeClr val="tx1"/>
+              </a:solidFill>
+            </a:endParaRPr>
+          </a:p>
+        </p:txBody>
+      </p:sp>
+      <p:sp>
+        <p:nvSpPr>
+          <p:cNvPr id="30" name="Pfeil: nach oben gekrümmt 29">
+            <a:extLst>
+              <a:ext uri="{FF2B5EF4-FFF2-40B4-BE49-F238E27FC236}">
+                <a16:creationId xmlns:a16="http://schemas.microsoft.com/office/drawing/2014/main" id="{33FE7DD1-A468-4871-BE06-15985F75A280}"/>
+              </a:ext>
+            </a:extLst>
+          </p:cNvPr>
+          <p:cNvSpPr/>
+          <p:nvPr/>
+        </p:nvSpPr>
+        <p:spPr>
+          <a:xfrm>
+            <a:off x="6562985" y="5740517"/>
+            <a:ext cx="2180421" cy="801189"/>
+          </a:xfrm>
+          <a:prstGeom prst="curvedUpArrow">
+            <a:avLst/>
+          </a:prstGeom>
+        </p:spPr>
+        <p:style>
+          <a:lnRef idx="2">
+            <a:schemeClr val="accent1">
+              <a:shade val="50000"/>
+            </a:schemeClr>
+          </a:lnRef>
+          <a:fillRef idx="1">
+            <a:schemeClr val="accent1"/>
+          </a:fillRef>
+          <a:effectRef idx="0">
+            <a:schemeClr val="accent1"/>
+          </a:effectRef>
+          <a:fontRef idx="minor">
+            <a:schemeClr val="lt1"/>
+          </a:fontRef>
+        </p:style>
+        <p:txBody>
+          <a:bodyPr rtlCol="0" anchor="ctr"/>
+          <a:lstStyle/>
+          <a:p>
+            <a:pPr algn="ctr"/>
+            <a:endParaRPr lang="de-DE">
+              <a:solidFill>
+                <a:schemeClr val="tx1"/>
+              </a:solidFill>
+            </a:endParaRPr>
+          </a:p>
+        </p:txBody>
+      </p:sp>
+      <p:sp>
+        <p:nvSpPr>
+          <p:cNvPr id="31" name="Pfeil: nach oben gekrümmt 30">
+            <a:extLst>
+              <a:ext uri="{FF2B5EF4-FFF2-40B4-BE49-F238E27FC236}">
+                <a16:creationId xmlns:a16="http://schemas.microsoft.com/office/drawing/2014/main" id="{31CEAB5E-C81F-42C8-BF58-DEE832158119}"/>
+              </a:ext>
+            </a:extLst>
+          </p:cNvPr>
+          <p:cNvSpPr/>
+          <p:nvPr/>
+        </p:nvSpPr>
+        <p:spPr>
+          <a:xfrm>
+            <a:off x="8813077" y="5740517"/>
+            <a:ext cx="2180421" cy="801189"/>
+          </a:xfrm>
+          <a:prstGeom prst="curvedUpArrow">
+            <a:avLst/>
+          </a:prstGeom>
+        </p:spPr>
+        <p:style>
+          <a:lnRef idx="2">
+            <a:schemeClr val="accent1">
+              <a:shade val="50000"/>
+            </a:schemeClr>
+          </a:lnRef>
+          <a:fillRef idx="1">
+            <a:schemeClr val="accent1"/>
+          </a:fillRef>
+          <a:effectRef idx="0">
+            <a:schemeClr val="accent1"/>
+          </a:effectRef>
+          <a:fontRef idx="minor">
+            <a:schemeClr val="lt1"/>
+          </a:fontRef>
+        </p:style>
+        <p:txBody>
+          <a:bodyPr rtlCol="0" anchor="ctr"/>
+          <a:lstStyle/>
+          <a:p>
+            <a:pPr algn="ctr"/>
+            <a:endParaRPr lang="de-DE">
+              <a:solidFill>
+                <a:schemeClr val="tx1"/>
+              </a:solidFill>
+            </a:endParaRPr>
+          </a:p>
+        </p:txBody>
+      </p:sp>
+      <p:sp>
+        <p:nvSpPr>
+          <p:cNvPr id="2" name="Textfeld 1">
+            <a:extLst>
+              <a:ext uri="{FF2B5EF4-FFF2-40B4-BE49-F238E27FC236}">
+                <a16:creationId xmlns:a16="http://schemas.microsoft.com/office/drawing/2014/main" id="{18F8842A-0C28-4692-B4FF-CB94179FDABB}"/>
+              </a:ext>
+            </a:extLst>
+          </p:cNvPr>
+          <p:cNvSpPr txBox="1"/>
+          <p:nvPr/>
+        </p:nvSpPr>
+        <p:spPr>
+          <a:xfrm>
+            <a:off x="8538738" y="4081588"/>
+            <a:ext cx="505097" cy="646331"/>
+          </a:xfrm>
+          <a:prstGeom prst="rect">
+            <a:avLst/>
+          </a:prstGeom>
+          <a:noFill/>
+        </p:spPr>
+        <p:txBody>
+          <a:bodyPr wrap="square" rtlCol="0">
+            <a:spAutoFit/>
+          </a:bodyPr>
+          <a:lstStyle/>
+          <a:p>
+            <a:r>
+              <a:rPr lang="de-DE" sz="3600" b="1" dirty="0"/>
+              <a:t>…</a:t>
+            </a:r>
+          </a:p>
+        </p:txBody>
+      </p:sp>
+    </p:spTree>
+    <p:extLst>
+      <p:ext uri="{BB962C8B-B14F-4D97-AF65-F5344CB8AC3E}">
+        <p14:creationId xmlns:p14="http://schemas.microsoft.com/office/powerpoint/2010/main" val="952459543"/>
+      </p:ext>
+    </p:extLst>
+  </p:cSld>
+  <p:clrMapOvr>
+    <a:masterClrMapping/>
+  </p:clrMapOvr>
+</p:sld>
+</file>
+
 <file path=ppt/theme/theme1.xml><?xml version="1.0" encoding="utf-8"?>
 <a:theme xmlns:a="http://schemas.openxmlformats.org/drawingml/2006/main" name="Office">
   <a:themeElements>
